--- a/docs/zotero_formateurs.pptx
+++ b/docs/zotero_formateurs.pptx
@@ -232,7 +232,7 @@
           <a:p>
             <a:fld id="{91E9DC1B-7AD4-4493-BE2D-19F04AF919E8}" type="datetimeFigureOut">
               <a:rPr lang="fr-FR" smtClean="0"/>
-              <a:t>17/05/2023</a:t>
+              <a:t>02/06/2023</a:t>
             </a:fld>
             <a:endParaRPr lang="fr-FR" dirty="0"/>
           </a:p>
@@ -1403,7 +1403,7 @@
           <a:p>
             <a:fld id="{630783C6-F8F9-419C-8F9E-35097769F1EC}" type="datetime1">
               <a:rPr lang="fr-FR" smtClean="0"/>
-              <a:t>17/05/2023</a:t>
+              <a:t>02/06/2023</a:t>
             </a:fld>
             <a:endParaRPr lang="fr-FR" dirty="0"/>
           </a:p>
@@ -1585,7 +1585,7 @@
           <a:p>
             <a:fld id="{8EFEE71F-B343-41E9-9FF3-CF196DEC21DF}" type="datetime1">
               <a:rPr lang="fr-FR" smtClean="0"/>
-              <a:t>17/05/2023</a:t>
+              <a:t>02/06/2023</a:t>
             </a:fld>
             <a:endParaRPr lang="fr-FR" dirty="0"/>
           </a:p>
@@ -1777,7 +1777,7 @@
           <a:p>
             <a:fld id="{81FF4F24-55D1-4092-8E58-BC79E24A0474}" type="datetime1">
               <a:rPr lang="fr-FR" smtClean="0"/>
-              <a:t>17/05/2023</a:t>
+              <a:t>02/06/2023</a:t>
             </a:fld>
             <a:endParaRPr lang="fr-FR" dirty="0"/>
           </a:p>
@@ -2003,7 +2003,7 @@
           <a:p>
             <a:fld id="{D3F0A1BD-68EE-4804-B13D-15B41C7AB4FD}" type="datetime1">
               <a:rPr lang="fr-FR" smtClean="0"/>
-              <a:t>17/05/2023</a:t>
+              <a:t>02/06/2023</a:t>
             </a:fld>
             <a:endParaRPr lang="fr-FR" dirty="0"/>
           </a:p>
@@ -2281,7 +2281,7 @@
           <a:p>
             <a:fld id="{67FB453C-74D1-4B45-9480-4354DE971D62}" type="datetime1">
               <a:rPr lang="fr-FR" smtClean="0"/>
-              <a:t>17/05/2023</a:t>
+              <a:t>02/06/2023</a:t>
             </a:fld>
             <a:endParaRPr lang="fr-FR" dirty="0"/>
           </a:p>
@@ -2589,7 +2589,7 @@
           <a:p>
             <a:fld id="{72624E4F-0CA6-4572-8C35-F89144C35AF8}" type="datetime1">
               <a:rPr lang="fr-FR" smtClean="0"/>
-              <a:t>17/05/2023</a:t>
+              <a:t>02/06/2023</a:t>
             </a:fld>
             <a:endParaRPr lang="fr-FR" dirty="0"/>
           </a:p>
@@ -2968,7 +2968,7 @@
           <a:p>
             <a:fld id="{5D728FE3-42A5-40B2-97F0-B606025C600C}" type="datetime1">
               <a:rPr lang="fr-FR" smtClean="0"/>
-              <a:t>17/05/2023</a:t>
+              <a:t>02/06/2023</a:t>
             </a:fld>
             <a:endParaRPr lang="fr-FR" dirty="0"/>
           </a:p>
@@ -3098,7 +3098,7 @@
           <a:p>
             <a:fld id="{5FF04761-E76C-4BC6-BB20-8565DDA740E6}" type="datetime1">
               <a:rPr lang="fr-FR" smtClean="0"/>
-              <a:t>17/05/2023</a:t>
+              <a:t>02/06/2023</a:t>
             </a:fld>
             <a:endParaRPr lang="fr-FR" dirty="0"/>
           </a:p>
@@ -3205,7 +3205,7 @@
           <a:p>
             <a:fld id="{AA646118-66D3-4455-9EE4-6734B98BB410}" type="datetime1">
               <a:rPr lang="fr-FR" smtClean="0"/>
-              <a:t>17/05/2023</a:t>
+              <a:t>02/06/2023</a:t>
             </a:fld>
             <a:endParaRPr lang="fr-FR" dirty="0"/>
           </a:p>
@@ -3494,7 +3494,7 @@
           <a:p>
             <a:fld id="{90326542-7656-433B-AC14-CF333D8E6E86}" type="datetime1">
               <a:rPr lang="fr-FR" smtClean="0"/>
-              <a:t>17/05/2023</a:t>
+              <a:t>02/06/2023</a:t>
             </a:fld>
             <a:endParaRPr lang="fr-FR" dirty="0"/>
           </a:p>
@@ -3759,7 +3759,7 @@
           <a:p>
             <a:fld id="{0E4EDC81-4405-44D1-90A9-2F5EAFABDD0E}" type="datetime1">
               <a:rPr lang="fr-FR" smtClean="0"/>
-              <a:t>17/05/2023</a:t>
+              <a:t>02/06/2023</a:t>
             </a:fld>
             <a:endParaRPr lang="fr-FR" dirty="0"/>
           </a:p>
@@ -4398,11 +4398,7 @@
             <a:pPr algn="l"/>
             <a:r>
               <a:rPr lang="fr-FR" dirty="0" smtClean="0"/>
-              <a:t>Urfist </a:t>
-            </a:r>
-            <a:r>
-              <a:rPr lang="fr-FR" dirty="0" smtClean="0"/>
-              <a:t>Bordeaux</a:t>
+              <a:t>Urfist Bordeaux</a:t>
             </a:r>
           </a:p>
           <a:p>
@@ -5927,13 +5923,8 @@
             </a:pPr>
             <a:r>
               <a:rPr lang="fr-FR" sz="3300" dirty="0" smtClean="0"/>
-              <a:t> Guide rédigé </a:t>
-            </a:r>
-            <a:r>
-              <a:rPr lang="fr-FR" sz="3300" dirty="0" smtClean="0"/>
-              <a:t>aux formats PDF et HTML</a:t>
-            </a:r>
-            <a:endParaRPr lang="fr-FR" sz="3300" dirty="0" smtClean="0"/>
+              <a:t> Guide rédigé aux formats PDF et HTML</a:t>
+            </a:r>
           </a:p>
           <a:p>
             <a:pPr marL="0" indent="0">
@@ -5948,7 +5939,19 @@
             </a:r>
             <a:r>
               <a:rPr lang="fr-FR" sz="3300" dirty="0"/>
-              <a:t>de l’Université Laval. (s. d.). Zotero. Consulté 17 mai 2023, à l’adresse https://www.bibl.ulaval.ca/services/logiciels-bibliographiques/zotero</a:t>
+              <a:t>de l’Université Laval. </a:t>
+            </a:r>
+            <a:r>
+              <a:rPr lang="fr-FR" sz="3300" dirty="0" smtClean="0"/>
+              <a:t>(s. d.). </a:t>
+            </a:r>
+            <a:r>
+              <a:rPr lang="fr-FR" sz="3300" dirty="0" err="1" smtClean="0"/>
+              <a:t>Zotero</a:t>
+            </a:r>
+            <a:r>
+              <a:rPr lang="fr-FR" sz="3300" dirty="0"/>
+              <a:t>. Consulté 17 mai 2023, à l’adresse https://www.bibl.ulaval.ca/services/logiciels-bibliographiques/zotero</a:t>
             </a:r>
             <a:endParaRPr lang="fr-FR" sz="3300" dirty="0" smtClean="0"/>
           </a:p>
@@ -5971,11 +5974,7 @@
             </a:pPr>
             <a:r>
               <a:rPr lang="fr-FR" sz="3300" dirty="0" smtClean="0"/>
-              <a:t>Bibliothèque </a:t>
-            </a:r>
-            <a:r>
-              <a:rPr lang="fr-FR" sz="3300" dirty="0" smtClean="0"/>
-              <a:t>de l’Université de Genève (Réalisateur). (2016). </a:t>
+              <a:t>Bibliothèque de l’Université de Genève (Réalisateur). (2016). </a:t>
             </a:r>
             <a:r>
               <a:rPr lang="fr-FR" sz="3300" i="1" dirty="0" smtClean="0"/>
@@ -6015,13 +6014,7 @@
               <a:rPr lang="fr-FR" sz="3300" dirty="0" smtClean="0">
                 <a:hlinkClick r:id="rId6"/>
               </a:rPr>
-              <a:t>https://boiteaoutils.info/2022/04/decouvrir-zotero-6-le-lecteur-de-pdf-et-la-prise-de-notes-en-video</a:t>
-            </a:r>
-            <a:r>
-              <a:rPr lang="fr-FR" sz="3300" dirty="0" smtClean="0">
-                <a:hlinkClick r:id="rId6"/>
-              </a:rPr>
-              <a:t>/</a:t>
+              <a:t>https://boiteaoutils.info/2022/04/decouvrir-zotero-6-le-lecteur-de-pdf-et-la-prise-de-notes-en-video/</a:t>
             </a:r>
             <a:endParaRPr lang="fr-FR" dirty="0"/>
           </a:p>
@@ -6270,15 +6263,7 @@
             </a:r>
             <a:r>
               <a:rPr lang="en-US" dirty="0" smtClean="0"/>
-              <a:t> - compilation de </a:t>
-            </a:r>
-            <a:r>
-              <a:rPr lang="en-US" dirty="0" smtClean="0"/>
-              <a:t>plusieurs fils dont </a:t>
-            </a:r>
-            <a:r>
-              <a:rPr lang="en-US" dirty="0" smtClean="0"/>
-              <a:t>:</a:t>
+              <a:t> - compilation de plusieurs fils dont :</a:t>
             </a:r>
             <a:endParaRPr lang="en-US" dirty="0"/>
           </a:p>
@@ -6290,7 +6275,15 @@
             </a:pPr>
             <a:r>
               <a:rPr lang="en-US" dirty="0"/>
-              <a:t>Bilal, M. (2022c, septembre 11). Zotero 101 : A step-by-step guide with visuals [how to make groups and do « collaborative annotations. »]. </a:t>
+              <a:t>Bilal, M. (</a:t>
+            </a:r>
+            <a:r>
+              <a:rPr lang="en-US" dirty="0" smtClean="0"/>
+              <a:t>2022, </a:t>
+            </a:r>
+            <a:r>
+              <a:rPr lang="en-US" dirty="0"/>
+              <a:t>septembre 11). Zotero 101 : A step-by-step guide with visuals [how to make groups and do « collaborative annotations. »]. </a:t>
             </a:r>
             <a:r>
               <a:rPr lang="en-US" i="1" dirty="0"/>
@@ -6316,7 +6309,15 @@
             </a:pPr>
             <a:r>
               <a:rPr lang="en-US" dirty="0"/>
-              <a:t>Bilal, M. (2022b, août 30). Zotero 101 : A step-by-step guide with visuals [how to take notes and annotate PDFs in Zotero]. </a:t>
+              <a:t>Bilal, M. (</a:t>
+            </a:r>
+            <a:r>
+              <a:rPr lang="en-US" dirty="0" smtClean="0"/>
+              <a:t>2022, </a:t>
+            </a:r>
+            <a:r>
+              <a:rPr lang="en-US" dirty="0"/>
+              <a:t>août 30). Zotero 101 : A step-by-step guide with visuals [how to take notes and annotate PDFs in Zotero]. </a:t>
             </a:r>
             <a:r>
               <a:rPr lang="en-US" i="1" dirty="0"/>
@@ -6348,7 +6349,15 @@
             </a:pPr>
             <a:r>
               <a:rPr lang="en-US" dirty="0"/>
-              <a:t>Bilal, M. (2022a, août 25). Zotero 101 : A step-by-step guide with visuals  [how to get started]. </a:t>
+              <a:t>Bilal, M. (</a:t>
+            </a:r>
+            <a:r>
+              <a:rPr lang="en-US" dirty="0" smtClean="0"/>
+              <a:t>2022, </a:t>
+            </a:r>
+            <a:r>
+              <a:rPr lang="en-US" dirty="0"/>
+              <a:t>août 25). Zotero 101 : A step-by-step guide with visuals  [how to get started]. </a:t>
             </a:r>
             <a:r>
               <a:rPr lang="en-US" i="1" dirty="0"/>
@@ -6667,13 +6676,13 @@
         </p:spPr>
         <p:txBody>
           <a:bodyPr>
-            <a:normAutofit fontScale="92500" lnSpcReduction="20000"/>
+            <a:normAutofit fontScale="85000" lnSpcReduction="20000"/>
           </a:bodyPr>
           <a:lstStyle/>
           <a:p>
             <a:pPr>
               <a:lnSpc>
-                <a:spcPct val="100000"/>
+                <a:spcPct val="120000"/>
               </a:lnSpc>
             </a:pPr>
             <a:r>
@@ -6684,7 +6693,7 @@
           <a:p>
             <a:pPr marL="0" indent="0">
               <a:lnSpc>
-                <a:spcPct val="100000"/>
+                <a:spcPct val="120000"/>
               </a:lnSpc>
               <a:buNone/>
             </a:pPr>
@@ -6721,7 +6730,7 @@
           <a:p>
             <a:pPr>
               <a:lnSpc>
-                <a:spcPct val="100000"/>
+                <a:spcPct val="120000"/>
               </a:lnSpc>
             </a:pPr>
             <a:r>
@@ -6732,7 +6741,7 @@
           <a:p>
             <a:pPr lvl="1">
               <a:lnSpc>
-                <a:spcPct val="100000"/>
+                <a:spcPct val="120000"/>
               </a:lnSpc>
             </a:pPr>
             <a:r>
@@ -6760,7 +6769,7 @@
           <a:p>
             <a:pPr lvl="1">
               <a:lnSpc>
-                <a:spcPct val="100000"/>
+                <a:spcPct val="120000"/>
               </a:lnSpc>
             </a:pPr>
             <a:r>
@@ -6777,39 +6786,47 @@
             </a:r>
             <a:r>
               <a:rPr lang="fr-FR" dirty="0"/>
-              <a:t>Mondes Médiévaux. https://github.com/amarois/Formation_Zotero_Initiation</a:t>
+              <a:t>Mondes Médiévaux. </a:t>
+            </a:r>
+            <a:r>
+              <a:rPr lang="fr-FR" dirty="0">
+                <a:hlinkClick r:id="rId4"/>
+              </a:rPr>
+              <a:t>https://</a:t>
+            </a:r>
+            <a:r>
+              <a:rPr lang="fr-FR" dirty="0" smtClean="0">
+                <a:hlinkClick r:id="rId4"/>
+              </a:rPr>
+              <a:t>github.com/amarois/Formation_Zotero_Initiation</a:t>
+            </a:r>
+            <a:r>
+              <a:rPr lang="fr-FR" dirty="0" smtClean="0"/>
+              <a:t> </a:t>
             </a:r>
             <a:endParaRPr lang="fr-FR" dirty="0" smtClean="0"/>
           </a:p>
           <a:p>
             <a:pPr>
               <a:lnSpc>
-                <a:spcPct val="100000"/>
+                <a:spcPct val="120000"/>
               </a:lnSpc>
             </a:pPr>
             <a:r>
               <a:rPr lang="fr-FR" dirty="0" smtClean="0"/>
-              <a:t>Quizz</a:t>
-            </a:r>
-            <a:r>
-              <a:rPr lang="fr-FR" dirty="0" smtClean="0"/>
-              <a:t>?</a:t>
+              <a:t>Quizz?</a:t>
             </a:r>
           </a:p>
           <a:p>
             <a:pPr marL="0" indent="0">
               <a:lnSpc>
-                <a:spcPct val="100000"/>
+                <a:spcPct val="120000"/>
               </a:lnSpc>
               <a:buNone/>
             </a:pPr>
             <a:r>
               <a:rPr lang="fr-FR" i="1" dirty="0" smtClean="0"/>
-              <a:t>Avez-vous des propositions d’exemples à ajouter pour cette section</a:t>
-            </a:r>
-            <a:r>
-              <a:rPr lang="fr-FR" i="1" dirty="0" smtClean="0"/>
-              <a:t>?</a:t>
+              <a:t>Avez-vous des propositions d’exemples à ajouter pour cette section?</a:t>
             </a:r>
             <a:endParaRPr lang="fr-FR" dirty="0"/>
           </a:p>
@@ -7142,10 +7159,15 @@
         </p:spPr>
         <p:txBody>
           <a:bodyPr>
-            <a:normAutofit/>
+            <a:normAutofit lnSpcReduction="10000"/>
           </a:bodyPr>
           <a:lstStyle/>
           <a:p>
+            <a:pPr>
+              <a:lnSpc>
+                <a:spcPct val="100000"/>
+              </a:lnSpc>
+            </a:pPr>
             <a:r>
               <a:rPr lang="fr-FR" dirty="0"/>
               <a:t> </a:t>
@@ -7156,7 +7178,11 @@
             </a:r>
           </a:p>
           <a:p>
-            <a:pPr lvl="1"/>
+            <a:pPr lvl="1">
+              <a:lnSpc>
+                <a:spcPct val="100000"/>
+              </a:lnSpc>
+            </a:pPr>
             <a:r>
               <a:rPr lang="fr-FR" dirty="0"/>
               <a:t>Hugo, A., Cheneval, M., &amp; Laffet, T. </a:t>
@@ -7196,32 +7222,66 @@
             <a:endParaRPr lang="fr-FR" dirty="0"/>
           </a:p>
           <a:p>
-            <a:pPr lvl="1"/>
-            <a:r>
-              <a:rPr lang="fr-FR" dirty="0"/>
-              <a:t>McCutcheon, J. (2019, septembre 9). </a:t>
-            </a:r>
-            <a:r>
-              <a:rPr lang="fr-FR" i="1" dirty="0"/>
-              <a:t>Three Reasons to Teach and Use Zotero in the Classroom</a:t>
-            </a:r>
-            <a:r>
-              <a:rPr lang="fr-FR" dirty="0"/>
-              <a:t>. Canadian Historical Association : The Teaching - Learning Blog. </a:t>
-            </a:r>
-            <a:r>
-              <a:rPr lang="fr-FR" dirty="0">
+            <a:pPr lvl="1">
+              <a:lnSpc>
+                <a:spcPct val="100000"/>
+              </a:lnSpc>
+            </a:pPr>
+            <a:r>
+              <a:rPr lang="en-US" dirty="0"/>
+              <a:t>McCutcheon, J. (2019, </a:t>
+            </a:r>
+            <a:r>
+              <a:rPr lang="en-US" dirty="0" err="1"/>
+              <a:t>septembre</a:t>
+            </a:r>
+            <a:r>
+              <a:rPr lang="en-US" dirty="0"/>
+              <a:t> 9). Three Reasons to Teach and Use </a:t>
+            </a:r>
+            <a:r>
+              <a:rPr lang="en-US" dirty="0" err="1"/>
+              <a:t>Zotero</a:t>
+            </a:r>
+            <a:r>
+              <a:rPr lang="en-US" dirty="0"/>
+              <a:t> in the Classroom. </a:t>
+            </a:r>
+            <a:r>
+              <a:rPr lang="en-US" i="1" dirty="0"/>
+              <a:t>Canadian Historical Association : The Teaching - Learning Blog</a:t>
+            </a:r>
+            <a:r>
+              <a:rPr lang="en-US" dirty="0"/>
+              <a:t>. </a:t>
+            </a:r>
+            <a:r>
+              <a:rPr lang="en-US" dirty="0">
                 <a:hlinkClick r:id="rId3"/>
               </a:rPr>
-              <a:t>https://cha-shc.ca/teaching/teachers-blog/three-reasons-to-teach-and-use-zotero-in-the-classroom-2019-09-09.htm</a:t>
-            </a:r>
-            <a:endParaRPr lang="fr-FR" dirty="0"/>
-          </a:p>
-          <a:p>
-            <a:pPr lvl="1"/>
+              <a:t>https://</a:t>
+            </a:r>
+            <a:r>
+              <a:rPr lang="en-US" dirty="0" smtClean="0">
+                <a:hlinkClick r:id="rId3"/>
+              </a:rPr>
+              <a:t>cha-shc.ca/teaching/teachers-blog/three-reasons-to-teach-and-use-zotero-in-the-classroom-2019-09-09.htm</a:t>
+            </a:r>
+            <a:endParaRPr lang="fr-FR" dirty="0" smtClean="0"/>
+          </a:p>
+          <a:p>
+            <a:pPr lvl="1">
+              <a:lnSpc>
+                <a:spcPct val="100000"/>
+              </a:lnSpc>
+            </a:pPr>
+            <a:r>
+              <a:rPr lang="fr-FR" dirty="0" err="1" smtClean="0"/>
+              <a:t>Moorberg</a:t>
+            </a:r>
             <a:r>
               <a:rPr lang="fr-FR" dirty="0"/>
-              <a:t>Moorberg, C. J. (2020). An open annotated bibliography for soil and water conservation : A case study. </a:t>
+              <a:t>, C. J. (2020). An open annotated bibliography for soil and water conservation : A case study. </a:t>
             </a:r>
             <a:r>
               <a:rPr lang="fr-FR" i="1" dirty="0"/>
@@ -7248,6 +7308,11 @@
             <a:endParaRPr lang="fr-FR" dirty="0"/>
           </a:p>
           <a:p>
+            <a:pPr>
+              <a:lnSpc>
+                <a:spcPct val="100000"/>
+              </a:lnSpc>
+            </a:pPr>
             <a:r>
               <a:rPr lang="fr-FR" dirty="0" smtClean="0"/>
               <a:t> Rubrique « Lectures » des bulletins de veille Zotero francophone : </a:t>
@@ -7557,13 +7622,13 @@
         </p:spPr>
         <p:txBody>
           <a:bodyPr>
-            <a:normAutofit lnSpcReduction="10000"/>
+            <a:normAutofit fontScale="92500"/>
           </a:bodyPr>
           <a:lstStyle/>
           <a:p>
             <a:pPr marL="0" indent="0">
               <a:lnSpc>
-                <a:spcPct val="100000"/>
+                <a:spcPct val="110000"/>
               </a:lnSpc>
               <a:buNone/>
             </a:pPr>
@@ -7619,7 +7684,7 @@
           <a:p>
             <a:pPr>
               <a:lnSpc>
-                <a:spcPct val="100000"/>
+                <a:spcPct val="110000"/>
               </a:lnSpc>
             </a:pPr>
             <a:r>
@@ -7642,7 +7707,7 @@
           <a:p>
             <a:pPr>
               <a:lnSpc>
-                <a:spcPct val="100000"/>
+                <a:spcPct val="110000"/>
               </a:lnSpc>
             </a:pPr>
             <a:r>
@@ -7669,7 +7734,7 @@
           <a:p>
             <a:pPr>
               <a:lnSpc>
-                <a:spcPct val="100000"/>
+                <a:spcPct val="110000"/>
               </a:lnSpc>
             </a:pPr>
             <a:r>
@@ -7692,7 +7757,7 @@
           <a:p>
             <a:pPr>
               <a:lnSpc>
-                <a:spcPct val="100000"/>
+                <a:spcPct val="110000"/>
               </a:lnSpc>
             </a:pPr>
             <a:r>
@@ -7716,7 +7781,7 @@
           <a:p>
             <a:pPr marL="0" indent="0">
               <a:lnSpc>
-                <a:spcPct val="100000"/>
+                <a:spcPct val="110000"/>
               </a:lnSpc>
               <a:buNone/>
             </a:pPr>
@@ -7850,8 +7915,8 @@
         </p:nvSpPr>
         <p:spPr>
           <a:xfrm>
-            <a:off x="838200" y="1371600"/>
-            <a:ext cx="10515600" cy="5090746"/>
+            <a:off x="838200" y="1371599"/>
+            <a:ext cx="10515600" cy="5349875"/>
           </a:xfrm>
         </p:spPr>
         <p:txBody>
@@ -7862,7 +7927,7 @@
           <a:p>
             <a:pPr>
               <a:lnSpc>
-                <a:spcPct val="110000"/>
+                <a:spcPct val="120000"/>
               </a:lnSpc>
             </a:pPr>
             <a:r>
@@ -7879,22 +7944,14 @@
             </a:r>
             <a:r>
               <a:rPr lang="fr-FR" dirty="0"/>
-              <a:t>séance de 2h à destination d'étudiants en Licence. Ces étudiants doivent dans le cadre d'un travail en groupe rédiger ou enrichir un article de </a:t>
-            </a:r>
-            <a:r>
-              <a:rPr lang="fr-FR" dirty="0"/>
-              <a:t>Wikipedia</a:t>
-            </a:r>
-            <a:r>
-              <a:rPr lang="fr-FR" dirty="0"/>
-              <a:t>. </a:t>
+              <a:t>séance de 2h à destination d'étudiants en Licence. Ces étudiants doivent dans le cadre d'un travail en groupe rédiger ou enrichir un article de Wikipedia. </a:t>
             </a:r>
             <a:endParaRPr lang="fr-FR" dirty="0" smtClean="0"/>
           </a:p>
           <a:p>
             <a:pPr>
               <a:lnSpc>
-                <a:spcPct val="110000"/>
+                <a:spcPct val="120000"/>
               </a:lnSpc>
             </a:pPr>
             <a:r>
@@ -7919,17 +7976,18 @@
             </a:r>
             <a:r>
               <a:rPr lang="fr-FR" dirty="0"/>
-              <a:t>vous proposent de déterminer la durée, de minimum 30 minutes à maximum 2h. </a:t>
-            </a:r>
-            <a:r>
-              <a:rPr lang="fr-FR" dirty="0" smtClean="0"/>
-              <a:t>:</a:t>
-            </a:r>
+              <a:t>vous proposent de déterminer la durée, de minimum 30 minutes à maximum 2h</a:t>
+            </a:r>
+            <a:r>
+              <a:rPr lang="fr-FR" dirty="0" smtClean="0"/>
+              <a:t>.</a:t>
+            </a:r>
+            <a:endParaRPr lang="fr-FR" dirty="0" smtClean="0"/>
           </a:p>
           <a:p>
             <a:pPr>
               <a:lnSpc>
-                <a:spcPct val="110000"/>
+                <a:spcPct val="120000"/>
               </a:lnSpc>
             </a:pPr>
             <a:r>
@@ -7956,7 +8014,7 @@
           <a:p>
             <a:pPr>
               <a:lnSpc>
-                <a:spcPct val="110000"/>
+                <a:spcPct val="120000"/>
               </a:lnSpc>
             </a:pPr>
             <a:r>
@@ -7973,7 +8031,15 @@
             </a:r>
             <a:r>
               <a:rPr lang="fr-FR" dirty="0"/>
-              <a:t>: séance d'1h30 à destination de tous les membres intéressés d'une même unité de recherche (doctorants, chercheurs, etc.). La séance a lieu dans le laboratoire, les participants apportent leur propre ordinateur portable.</a:t>
+              <a:t>: séance d'1h30 à destination de tous les membres intéressés d'une même unité de recherche (doctorants, chercheurs, etc.). La séance a lieu dans le laboratoire, </a:t>
+            </a:r>
+            <a:r>
+              <a:rPr lang="fr-FR" dirty="0" smtClean="0"/>
+              <a:t>les </a:t>
+            </a:r>
+            <a:r>
+              <a:rPr lang="fr-FR" dirty="0"/>
+              <a:t>participants apportent leur propre ordinateur portable.</a:t>
             </a:r>
           </a:p>
         </p:txBody>
@@ -9332,7 +9398,7 @@
         </p:nvSpPr>
         <p:spPr>
           <a:xfrm>
-            <a:off x="825630" y="1709737"/>
+            <a:off x="831850" y="2030750"/>
             <a:ext cx="10515600" cy="2852737"/>
           </a:xfrm>
         </p:spPr>
